--- a/2.Conditional_Statements/2.Conditional_Statements.pptx
+++ b/2.Conditional_Statements/2.Conditional_Statements.pptx
@@ -4380,67 +4380,47 @@
         <p:spPr/>
         <p:txBody>
           <a:bodyPr>
-            <a:normAutofit fontScale="77500" lnSpcReduction="20000"/>
+            <a:normAutofit/>
           </a:bodyPr>
           <a:lstStyle/>
           <a:p>
             <a:r>
+              <a:rPr lang="en-CA" sz="1400" b="1" u="sng" dirty="0"/>
+              <a:t>Syntax :</a:t>
+            </a:r>
+          </a:p>
+          <a:p>
+            <a:r>
+              <a:rPr lang="en-CA" sz="1400" dirty="0"/>
+              <a:t>If(condition):</a:t>
+            </a:r>
+          </a:p>
+          <a:p>
+            <a:pPr marL="201168" lvl="1" indent="0">
+              <a:buNone/>
+            </a:pPr>
+            <a:r>
+              <a:rPr lang="en-CA" sz="1400" dirty="0"/>
+              <a:t>Statements</a:t>
+            </a:r>
+          </a:p>
+          <a:p>
+            <a:pPr marL="201168" lvl="1" indent="0">
+              <a:buNone/>
+            </a:pPr>
+            <a:endParaRPr lang="en-CA" sz="1400" dirty="0"/>
+          </a:p>
+          <a:p>
+            <a:pPr marL="0">
+              <a:buNone/>
+            </a:pPr>
+            <a:r>
+              <a:rPr lang="en-CA" sz="1400" b="1" u="sng" dirty="0"/>
+              <a:t>Example</a:t>
+            </a:r>
+            <a:r>
               <a:rPr lang="en-CA" b="1" u="sng" dirty="0"/>
-              <a:t>Syntax :</a:t>
-            </a:r>
-          </a:p>
-          <a:p>
-            <a:r>
-              <a:rPr lang="en-CA" dirty="0"/>
-              <a:t>If(condition):</a:t>
-            </a:r>
-          </a:p>
-          <a:p>
-            <a:pPr marL="201168" lvl="1" indent="0">
-              <a:buNone/>
-            </a:pPr>
-            <a:r>
-              <a:rPr lang="en-CA" dirty="0"/>
-              <a:t>Statements</a:t>
-            </a:r>
-          </a:p>
-          <a:p>
-            <a:pPr marL="201168" lvl="1" indent="0">
-              <a:buNone/>
-            </a:pPr>
-            <a:endParaRPr lang="en-CA" dirty="0"/>
-          </a:p>
-          <a:p>
-            <a:pPr marL="201168" lvl="1" indent="0">
-              <a:buNone/>
-            </a:pPr>
-            <a:endParaRPr lang="en-CA" dirty="0"/>
-          </a:p>
-          <a:p>
-            <a:pPr marL="0">
-              <a:buNone/>
-            </a:pPr>
-            <a:r>
-              <a:rPr lang="en-CA" b="1" u="sng" dirty="0"/>
-              <a:t>Example:</a:t>
-            </a:r>
-          </a:p>
-          <a:p>
-            <a:pPr marL="201168" lvl="1" indent="0">
-              <a:buNone/>
-            </a:pPr>
-            <a:r>
-              <a:rPr lang="en-CA" dirty="0"/>
-              <a:t>If(5==5):</a:t>
-            </a:r>
-          </a:p>
-          <a:p>
-            <a:pPr marL="201168" lvl="1" indent="0">
-              <a:buNone/>
-            </a:pPr>
-            <a:r>
-              <a:rPr lang="en-CA" dirty="0"/>
-              <a:t>	print(“Yes”)</a:t>
+              <a:t>:</a:t>
             </a:r>
           </a:p>
           <a:p>
@@ -4512,12 +4492,12 @@
         <p:spPr/>
         <p:txBody>
           <a:bodyPr>
-            <a:normAutofit fontScale="77500" lnSpcReduction="20000"/>
+            <a:normAutofit/>
           </a:bodyPr>
           <a:lstStyle/>
           <a:p>
             <a:r>
-              <a:rPr lang="en-CA" b="1" u="sng" dirty="0"/>
+              <a:rPr lang="en-CA" sz="1400" b="1" u="sng" dirty="0"/>
               <a:t>Syntax:</a:t>
             </a:r>
           </a:p>
@@ -4526,7 +4506,7 @@
               <a:buNone/>
             </a:pPr>
             <a:r>
-              <a:rPr lang="en-CA" dirty="0"/>
+              <a:rPr lang="en-CA" sz="1400" dirty="0"/>
               <a:t>If(condition):</a:t>
             </a:r>
           </a:p>
@@ -4535,7 +4515,7 @@
               <a:buNone/>
             </a:pPr>
             <a:r>
-              <a:rPr lang="en-CA" dirty="0"/>
+              <a:rPr lang="en-CA" sz="1400" dirty="0"/>
               <a:t> statement1</a:t>
             </a:r>
           </a:p>
@@ -4544,7 +4524,7 @@
               <a:buNone/>
             </a:pPr>
             <a:r>
-              <a:rPr lang="en-CA" dirty="0"/>
+              <a:rPr lang="en-CA" sz="1400" dirty="0"/>
               <a:t>Else:</a:t>
             </a:r>
           </a:p>
@@ -4553,7 +4533,7 @@
               <a:buNone/>
             </a:pPr>
             <a:r>
-              <a:rPr lang="en-CA" dirty="0"/>
+              <a:rPr lang="en-CA" sz="1400" dirty="0"/>
               <a:t>      statement2</a:t>
             </a:r>
           </a:p>
@@ -4562,44 +4542,8 @@
               <a:buNone/>
             </a:pPr>
             <a:r>
-              <a:rPr lang="en-CA" b="1" u="sng" dirty="0"/>
+              <a:rPr lang="en-CA" sz="1400" b="1" u="sng" dirty="0"/>
               <a:t>Example:</a:t>
-            </a:r>
-          </a:p>
-          <a:p>
-            <a:pPr marL="0">
-              <a:buNone/>
-            </a:pPr>
-            <a:r>
-              <a:rPr lang="en-CA" dirty="0"/>
-              <a:t>If(x%2==0):</a:t>
-            </a:r>
-          </a:p>
-          <a:p>
-            <a:pPr marL="0">
-              <a:buNone/>
-            </a:pPr>
-            <a:r>
-              <a:rPr lang="en-CA" dirty="0"/>
-              <a:t>	print(“Even”)</a:t>
-            </a:r>
-          </a:p>
-          <a:p>
-            <a:pPr marL="0">
-              <a:buNone/>
-            </a:pPr>
-            <a:r>
-              <a:rPr lang="en-CA" dirty="0"/>
-              <a:t>Else:</a:t>
-            </a:r>
-          </a:p>
-          <a:p>
-            <a:pPr marL="0">
-              <a:buNone/>
-            </a:pPr>
-            <a:r>
-              <a:rPr lang="en-CA" dirty="0"/>
-              <a:t>	print(“Odd”)</a:t>
             </a:r>
           </a:p>
         </p:txBody>
@@ -4698,6 +4642,66 @@
           </a:p>
         </p:txBody>
       </p:sp>
+      <p:pic>
+        <p:nvPicPr>
+          <p:cNvPr id="10" name="Picture 9">
+            <a:extLst>
+              <a:ext uri="{FF2B5EF4-FFF2-40B4-BE49-F238E27FC236}">
+                <a16:creationId xmlns:a16="http://schemas.microsoft.com/office/drawing/2014/main" id="{A3A11492-5EBE-46D6-8007-6FDE33C8B868}"/>
+              </a:ext>
+            </a:extLst>
+          </p:cNvPr>
+          <p:cNvPicPr>
+            <a:picLocks noChangeAspect="1"/>
+          </p:cNvPicPr>
+          <p:nvPr/>
+        </p:nvPicPr>
+        <p:blipFill>
+          <a:blip r:embed="rId2"/>
+          <a:stretch>
+            <a:fillRect/>
+          </a:stretch>
+        </p:blipFill>
+        <p:spPr>
+          <a:xfrm>
+            <a:off x="1436261" y="4377474"/>
+            <a:ext cx="1476375" cy="704850"/>
+          </a:xfrm>
+          <a:prstGeom prst="rect">
+            <a:avLst/>
+          </a:prstGeom>
+        </p:spPr>
+      </p:pic>
+      <p:pic>
+        <p:nvPicPr>
+          <p:cNvPr id="12" name="Picture 11">
+            <a:extLst>
+              <a:ext uri="{FF2B5EF4-FFF2-40B4-BE49-F238E27FC236}">
+                <a16:creationId xmlns:a16="http://schemas.microsoft.com/office/drawing/2014/main" id="{253D4819-16AF-452D-9818-40AAFF8F820C}"/>
+              </a:ext>
+            </a:extLst>
+          </p:cNvPr>
+          <p:cNvPicPr>
+            <a:picLocks noChangeAspect="1"/>
+          </p:cNvPicPr>
+          <p:nvPr/>
+        </p:nvPicPr>
+        <p:blipFill>
+          <a:blip r:embed="rId3"/>
+          <a:stretch>
+            <a:fillRect/>
+          </a:stretch>
+        </p:blipFill>
+        <p:spPr>
+          <a:xfrm>
+            <a:off x="6952807" y="4729899"/>
+            <a:ext cx="2943225" cy="1066800"/>
+          </a:xfrm>
+          <a:prstGeom prst="rect">
+            <a:avLst/>
+          </a:prstGeom>
+        </p:spPr>
+      </p:pic>
     </p:spTree>
     <p:extLst>
       <p:ext uri="{BB962C8B-B14F-4D97-AF65-F5344CB8AC3E}">
@@ -4784,7 +4788,7 @@
           <a:p>
             <a:r>
               <a:rPr lang="en-CA" b="1" u="sng" dirty="0"/>
-              <a:t>Chained Condition</a:t>
+              <a:t>Chained Condition(Equal to switch)</a:t>
             </a:r>
           </a:p>
         </p:txBody>
@@ -4878,54 +4882,71 @@
         </p:spPr>
         <p:txBody>
           <a:bodyPr>
-            <a:normAutofit fontScale="25000" lnSpcReduction="20000"/>
+            <a:normAutofit/>
           </a:bodyPr>
           <a:lstStyle/>
           <a:p>
             <a:r>
-              <a:rPr lang="en-CA" sz="6400" b="1" u="sng" dirty="0"/>
+              <a:rPr lang="en-CA" sz="1200" b="1" u="sng" dirty="0"/>
               <a:t>Syntax:</a:t>
             </a:r>
           </a:p>
           <a:p>
-            <a:r>
-              <a:rPr lang="en-CA" sz="6400" dirty="0"/>
-              <a:t>If(condition1):</a:t>
+            <a:pPr>
+              <a:lnSpc>
+                <a:spcPct val="100000"/>
+              </a:lnSpc>
+            </a:pPr>
+            <a:r>
+              <a:rPr lang="en-CA" sz="1200" dirty="0"/>
+              <a:t>if(condition1):</a:t>
             </a:r>
           </a:p>
           <a:p>
             <a:pPr marL="201168" lvl="1" indent="0">
+              <a:lnSpc>
+                <a:spcPct val="100000"/>
+              </a:lnSpc>
               <a:buNone/>
             </a:pPr>
             <a:r>
-              <a:rPr lang="en-CA" sz="6400" dirty="0"/>
+              <a:rPr lang="en-CA" sz="1200" dirty="0"/>
               <a:t>  statement1</a:t>
             </a:r>
           </a:p>
           <a:p>
             <a:pPr marL="0">
+              <a:lnSpc>
+                <a:spcPct val="100000"/>
+              </a:lnSpc>
               <a:buNone/>
             </a:pPr>
             <a:r>
-              <a:rPr lang="en-CA" sz="6400" dirty="0"/>
-              <a:t>  else:</a:t>
+              <a:rPr lang="en-CA" sz="1200" dirty="0"/>
+              <a:t>else:</a:t>
             </a:r>
           </a:p>
           <a:p>
             <a:pPr marL="0">
+              <a:lnSpc>
+                <a:spcPct val="100000"/>
+              </a:lnSpc>
               <a:buNone/>
             </a:pPr>
             <a:r>
-              <a:rPr lang="en-CA" sz="6400" dirty="0"/>
+              <a:rPr lang="en-CA" sz="1200" dirty="0"/>
               <a:t>      if(condition2):</a:t>
             </a:r>
           </a:p>
           <a:p>
             <a:pPr marL="0">
+              <a:lnSpc>
+                <a:spcPct val="100000"/>
+              </a:lnSpc>
               <a:buNone/>
             </a:pPr>
             <a:r>
-              <a:rPr lang="en-CA" sz="6400" dirty="0"/>
+              <a:rPr lang="en-CA" sz="1200" dirty="0"/>
               <a:t>          statment2</a:t>
             </a:r>
           </a:p>
@@ -4934,53 +4955,8 @@
               <a:buNone/>
             </a:pPr>
             <a:r>
-              <a:rPr lang="en-CA" sz="6400" b="1" u="sng" dirty="0"/>
+              <a:rPr lang="en-CA" sz="1200" b="1" u="sng" dirty="0"/>
               <a:t>Example:</a:t>
-            </a:r>
-          </a:p>
-          <a:p>
-            <a:pPr marL="0">
-              <a:buNone/>
-            </a:pPr>
-            <a:r>
-              <a:rPr lang="en-CA" sz="6400" dirty="0"/>
-              <a:t>    if(a!=b):</a:t>
-            </a:r>
-          </a:p>
-          <a:p>
-            <a:pPr marL="0">
-              <a:buNone/>
-            </a:pPr>
-            <a:r>
-              <a:rPr lang="en-CA" sz="6400" dirty="0"/>
-              <a:t>	print(“not equal”)</a:t>
-            </a:r>
-          </a:p>
-          <a:p>
-            <a:pPr marL="0">
-              <a:buNone/>
-            </a:pPr>
-            <a:r>
-              <a:rPr lang="en-CA" sz="6400" dirty="0"/>
-              <a:t>    else:</a:t>
-            </a:r>
-          </a:p>
-          <a:p>
-            <a:pPr marL="0">
-              <a:buNone/>
-            </a:pPr>
-            <a:r>
-              <a:rPr lang="en-CA" sz="6400" dirty="0"/>
-              <a:t>	if(a&lt;=b):</a:t>
-            </a:r>
-          </a:p>
-          <a:p>
-            <a:pPr marL="0">
-              <a:buNone/>
-            </a:pPr>
-            <a:r>
-              <a:rPr lang="en-CA" sz="6400" dirty="0"/>
-              <a:t>                                   print(“a is less and equal to b”)</a:t>
             </a:r>
           </a:p>
           <a:p>
@@ -5058,8 +5034,8 @@
         </p:nvSpPr>
         <p:spPr>
           <a:xfrm>
-            <a:off x="1186776" y="2102055"/>
-            <a:ext cx="4464996" cy="4247317"/>
+            <a:off x="1186775" y="2136338"/>
+            <a:ext cx="4464996" cy="2215991"/>
           </a:xfrm>
           <a:prstGeom prst="rect">
             <a:avLst/>
@@ -5079,46 +5055,43 @@
           </a:p>
           <a:p>
             <a:r>
-              <a:rPr lang="en-CA" dirty="0"/>
-              <a:t>If(condition1):</a:t>
-            </a:r>
-          </a:p>
-          <a:p>
-            <a:r>
-              <a:rPr lang="en-CA" dirty="0"/>
+              <a:rPr lang="en-CA" sz="1400" dirty="0"/>
+              <a:t>if(condition1):</a:t>
+            </a:r>
+          </a:p>
+          <a:p>
+            <a:r>
+              <a:rPr lang="en-CA" sz="1400" dirty="0"/>
               <a:t>	statement1</a:t>
             </a:r>
           </a:p>
           <a:p>
             <a:r>
-              <a:rPr lang="en-CA" dirty="0" err="1"/>
+              <a:rPr lang="en-CA" sz="1400" dirty="0" err="1"/>
               <a:t>elif</a:t>
             </a:r>
             <a:r>
-              <a:rPr lang="en-CA" dirty="0"/>
+              <a:rPr lang="en-CA" sz="1400" dirty="0"/>
               <a:t>(conditon2):</a:t>
             </a:r>
           </a:p>
           <a:p>
             <a:r>
-              <a:rPr lang="en-CA" dirty="0"/>
+              <a:rPr lang="en-CA" sz="1400" dirty="0"/>
               <a:t>	statement2</a:t>
             </a:r>
           </a:p>
           <a:p>
             <a:r>
-              <a:rPr lang="en-CA" dirty="0"/>
+              <a:rPr lang="en-CA" sz="1400" dirty="0"/>
               <a:t>else:</a:t>
             </a:r>
           </a:p>
           <a:p>
             <a:r>
-              <a:rPr lang="en-CA" dirty="0"/>
+              <a:rPr lang="en-CA" sz="1400" dirty="0"/>
               <a:t>	statement3</a:t>
             </a:r>
-          </a:p>
-          <a:p>
-            <a:endParaRPr lang="en-CA" dirty="0"/>
           </a:p>
           <a:p>
             <a:r>
@@ -5127,71 +5100,69 @@
             </a:r>
           </a:p>
           <a:p>
-            <a:r>
-              <a:rPr lang="en-CA" dirty="0"/>
-              <a:t>If (a&gt;b):</a:t>
-            </a:r>
-          </a:p>
-          <a:p>
-            <a:r>
-              <a:rPr lang="en-CA" dirty="0"/>
-              <a:t>	</a:t>
-            </a:r>
-            <a:r>
-              <a:rPr lang="en-CA" dirty="0" err="1"/>
-              <a:t>use_a</a:t>
-            </a:r>
-            <a:r>
-              <a:rPr lang="en-CA" dirty="0"/>
-              <a:t>()</a:t>
-            </a:r>
-          </a:p>
-          <a:p>
-            <a:r>
-              <a:rPr lang="en-CA" dirty="0" err="1"/>
-              <a:t>Elif</a:t>
-            </a:r>
-            <a:r>
-              <a:rPr lang="en-CA" dirty="0"/>
-              <a:t>(a&lt;b):</a:t>
-            </a:r>
-          </a:p>
-          <a:p>
-            <a:r>
-              <a:rPr lang="en-CA" dirty="0"/>
-              <a:t>        </a:t>
-            </a:r>
-            <a:r>
-              <a:rPr lang="en-CA" dirty="0" err="1"/>
-              <a:t>use_b</a:t>
-            </a:r>
-            <a:r>
-              <a:rPr lang="en-CA" dirty="0"/>
-              <a:t>()</a:t>
-            </a:r>
-          </a:p>
-          <a:p>
-            <a:r>
-              <a:rPr lang="en-CA" dirty="0"/>
-              <a:t>Else:</a:t>
-            </a:r>
-          </a:p>
-          <a:p>
-            <a:r>
-              <a:rPr lang="en-CA" dirty="0"/>
-              <a:t>	</a:t>
-            </a:r>
-            <a:r>
-              <a:rPr lang="en-CA" dirty="0" err="1"/>
-              <a:t>use_default</a:t>
-            </a:r>
-            <a:r>
-              <a:rPr lang="en-CA" dirty="0"/>
-              <a:t>()</a:t>
-            </a:r>
-          </a:p>
-        </p:txBody>
-      </p:sp>
+            <a:endParaRPr lang="en-CA" dirty="0"/>
+          </a:p>
+        </p:txBody>
+      </p:sp>
+      <p:pic>
+        <p:nvPicPr>
+          <p:cNvPr id="4" name="Picture 3">
+            <a:extLst>
+              <a:ext uri="{FF2B5EF4-FFF2-40B4-BE49-F238E27FC236}">
+                <a16:creationId xmlns:a16="http://schemas.microsoft.com/office/drawing/2014/main" id="{81D659DA-B830-4500-A306-E787366BC526}"/>
+              </a:ext>
+            </a:extLst>
+          </p:cNvPr>
+          <p:cNvPicPr>
+            <a:picLocks noChangeAspect="1"/>
+          </p:cNvPicPr>
+          <p:nvPr/>
+        </p:nvPicPr>
+        <p:blipFill>
+          <a:blip r:embed="rId3"/>
+          <a:stretch>
+            <a:fillRect/>
+          </a:stretch>
+        </p:blipFill>
+        <p:spPr>
+          <a:xfrm>
+            <a:off x="1728585" y="4290969"/>
+            <a:ext cx="3381375" cy="1685925"/>
+          </a:xfrm>
+          <a:prstGeom prst="rect">
+            <a:avLst/>
+          </a:prstGeom>
+        </p:spPr>
+      </p:pic>
+      <p:pic>
+        <p:nvPicPr>
+          <p:cNvPr id="8" name="Picture 7">
+            <a:extLst>
+              <a:ext uri="{FF2B5EF4-FFF2-40B4-BE49-F238E27FC236}">
+                <a16:creationId xmlns:a16="http://schemas.microsoft.com/office/drawing/2014/main" id="{F8DED912-C08F-4D14-8335-BD827F23724E}"/>
+              </a:ext>
+            </a:extLst>
+          </p:cNvPr>
+          <p:cNvPicPr>
+            <a:picLocks noChangeAspect="1"/>
+          </p:cNvPicPr>
+          <p:nvPr/>
+        </p:nvPicPr>
+        <p:blipFill rotWithShape="1">
+          <a:blip r:embed="rId4"/>
+          <a:srcRect l="542" t="-237" r="-542" b="13129"/>
+          <a:stretch/>
+        </p:blipFill>
+        <p:spPr>
+          <a:xfrm>
+            <a:off x="6948487" y="4574726"/>
+            <a:ext cx="3476625" cy="1584360"/>
+          </a:xfrm>
+          <a:prstGeom prst="rect">
+            <a:avLst/>
+          </a:prstGeom>
+        </p:spPr>
+      </p:pic>
     </p:spTree>
     <p:extLst>
       <p:ext uri="{BB962C8B-B14F-4D97-AF65-F5344CB8AC3E}">
@@ -5273,13 +5244,13 @@
         </p:nvSpPr>
         <p:spPr>
           <a:xfrm>
-            <a:off x="1097280" y="1845734"/>
+            <a:off x="690042" y="1829254"/>
             <a:ext cx="4937760" cy="4385384"/>
           </a:xfrm>
         </p:spPr>
         <p:txBody>
           <a:bodyPr>
-            <a:normAutofit fontScale="25000" lnSpcReduction="20000"/>
+            <a:normAutofit fontScale="40000" lnSpcReduction="20000"/>
           </a:bodyPr>
           <a:lstStyle/>
           <a:p>
@@ -5335,35 +5306,7 @@
                   <a:srgbClr val="222222"/>
                 </a:solidFill>
               </a:rPr>
-              <a:t>A Character Is an Alphabet or Not</a:t>
-            </a:r>
-          </a:p>
-          <a:p>
-            <a:pPr algn="l">
-              <a:buFont typeface="Wingdings" panose="05000000000000000000" pitchFamily="2" charset="2"/>
-              <a:buChar char="§"/>
-            </a:pPr>
-            <a:r>
-              <a:rPr lang="en-US" sz="4300" b="0" i="0" u="none" strike="noStrike" baseline="0" dirty="0">
-                <a:solidFill>
-                  <a:srgbClr val="222222"/>
-                </a:solidFill>
-              </a:rPr>
-              <a:t>Uppercase, Lowercase, Special Character, or Digit</a:t>
-            </a:r>
-          </a:p>
-          <a:p>
-            <a:pPr algn="l">
-              <a:buFont typeface="Wingdings" panose="05000000000000000000" pitchFamily="2" charset="2"/>
-              <a:buChar char="§"/>
-            </a:pPr>
-            <a:r>
-              <a:rPr lang="en-US" sz="4300" b="0" i="0" u="none" strike="noStrike" baseline="0" dirty="0">
-                <a:solidFill>
-                  <a:srgbClr val="222222"/>
-                </a:solidFill>
-              </a:rPr>
-              <a:t>The Number Is Positive or Negative</a:t>
+              <a:t>A Character Is an Alphabet or Not, Uppercase, Lowercase, Special Character, or Digit</a:t>
             </a:r>
           </a:p>
           <a:p>
@@ -5391,34 +5334,6 @@
                   <a:srgbClr val="222222"/>
                 </a:solidFill>
               </a:rPr>
-              <a:t>Greatest of Two Numbers</a:t>
-            </a:r>
-          </a:p>
-          <a:p>
-            <a:pPr algn="l">
-              <a:buFont typeface="Wingdings" panose="05000000000000000000" pitchFamily="2" charset="2"/>
-              <a:buChar char="§"/>
-            </a:pPr>
-            <a:r>
-              <a:rPr lang="en-CA" sz="4300" b="0" i="0" u="none" strike="noStrike" baseline="0" dirty="0">
-                <a:solidFill>
-                  <a:srgbClr val="222222"/>
-                </a:solidFill>
-              </a:rPr>
-              <a:t>Greatest Among Three Numbers</a:t>
-            </a:r>
-          </a:p>
-          <a:p>
-            <a:pPr algn="l">
-              <a:buFont typeface="Wingdings" panose="05000000000000000000" pitchFamily="2" charset="2"/>
-              <a:buChar char="§"/>
-            </a:pPr>
-            <a:r>
-              <a:rPr lang="en-CA" sz="4300" b="0" i="0" u="none" strike="noStrike" baseline="0" dirty="0">
-                <a:solidFill>
-                  <a:srgbClr val="222222"/>
-                </a:solidFill>
-              </a:rPr>
               <a:t>Leap Year</a:t>
             </a:r>
           </a:p>
@@ -5448,20 +5363,6 @@
                 </a:solidFill>
               </a:rPr>
               <a:t>Voting Eligibility Checker</a:t>
-            </a:r>
-          </a:p>
-          <a:p>
-            <a:pPr algn="l">
-              <a:buFont typeface="Wingdings" panose="05000000000000000000" pitchFamily="2" charset="2"/>
-              <a:buChar char="§"/>
-            </a:pPr>
-            <a:r>
-              <a:rPr lang="en-US" sz="4300" b="0" i="0" u="none" strike="noStrike" baseline="0" dirty="0">
-                <a:solidFill>
-                  <a:srgbClr val="222222"/>
-                </a:solidFill>
-              </a:rPr>
-              <a:t>Check whether a character is an uppercase or lowercase alphabet.</a:t>
             </a:r>
           </a:p>
           <a:p>
@@ -5527,7 +5428,7 @@
         </p:spPr>
         <p:txBody>
           <a:bodyPr>
-            <a:normAutofit fontScale="25000" lnSpcReduction="20000"/>
+            <a:normAutofit fontScale="40000" lnSpcReduction="20000"/>
           </a:bodyPr>
           <a:lstStyle/>
           <a:p>
@@ -5597,91 +5498,7 @@
                   <a:srgbClr val="222222"/>
                 </a:solidFill>
               </a:rPr>
-              <a:t> Find whether a number is even or odd.</a:t>
-            </a:r>
-          </a:p>
-          <a:p>
-            <a:pPr>
-              <a:buFont typeface="Wingdings" panose="05000000000000000000" pitchFamily="2" charset="2"/>
-              <a:buChar char="§"/>
-            </a:pPr>
-            <a:r>
-              <a:rPr lang="en-US" sz="4400" dirty="0">
-                <a:solidFill>
-                  <a:srgbClr val="222222"/>
-                </a:solidFill>
-              </a:rPr>
-              <a:t> Check whether a year is a leap year or not.</a:t>
-            </a:r>
-          </a:p>
-          <a:p>
-            <a:pPr>
-              <a:buFont typeface="Wingdings" panose="05000000000000000000" pitchFamily="2" charset="2"/>
-              <a:buChar char="§"/>
-            </a:pPr>
-            <a:r>
-              <a:rPr lang="en-US" sz="4400" dirty="0">
-                <a:solidFill>
-                  <a:srgbClr val="222222"/>
-                </a:solidFill>
-              </a:rPr>
-              <a:t> Check whether a character is an alphabet or not.</a:t>
-            </a:r>
-          </a:p>
-          <a:p>
-            <a:pPr>
-              <a:buFont typeface="Wingdings" panose="05000000000000000000" pitchFamily="2" charset="2"/>
-              <a:buChar char="§"/>
-            </a:pPr>
-            <a:r>
-              <a:rPr lang="en-US" sz="4400" dirty="0">
-                <a:solidFill>
-                  <a:srgbClr val="222222"/>
-                </a:solidFill>
-              </a:rPr>
-              <a:t> Input any alphabet and check whether it is vowel or consonant.</a:t>
-            </a:r>
-          </a:p>
-          <a:p>
-            <a:pPr>
-              <a:buFont typeface="Wingdings" panose="05000000000000000000" pitchFamily="2" charset="2"/>
-              <a:buChar char="§"/>
-            </a:pPr>
-            <a:r>
-              <a:rPr lang="en-US" sz="4400" dirty="0">
-                <a:solidFill>
-                  <a:srgbClr val="222222"/>
-                </a:solidFill>
-              </a:rPr>
-              <a:t> Input any character and check whether it is the alphabet, digit or special</a:t>
-            </a:r>
-          </a:p>
-          <a:p>
-            <a:pPr>
-              <a:buFont typeface="Wingdings" panose="05000000000000000000" pitchFamily="2" charset="2"/>
-              <a:buChar char="§"/>
-            </a:pPr>
-            <a:r>
-              <a:rPr lang="en-CA" sz="4400" dirty="0">
-                <a:solidFill>
-                  <a:srgbClr val="222222"/>
-                </a:solidFill>
-              </a:rPr>
-              <a:t>character.</a:t>
-            </a:r>
-          </a:p>
-          <a:p>
-            <a:pPr>
-              <a:buFont typeface="Wingdings" panose="05000000000000000000" pitchFamily="2" charset="2"/>
-              <a:buChar char="§"/>
-            </a:pPr>
-            <a:r>
-              <a:rPr lang="en-US" sz="4400" dirty="0">
-                <a:solidFill>
-                  <a:srgbClr val="222222"/>
-                </a:solidFill>
-              </a:rPr>
-              <a:t> Count the total number of notes in a given amount.</a:t>
+              <a:t>Count the total number of notes in a given amount.</a:t>
             </a:r>
           </a:p>
           <a:p>
@@ -5756,6 +5573,100 @@
           </a:p>
           <a:p>
             <a:endParaRPr lang="en-CA" dirty="0"/>
+          </a:p>
+        </p:txBody>
+      </p:sp>
+      <p:sp>
+        <p:nvSpPr>
+          <p:cNvPr id="5" name="Rectangle 4">
+            <a:extLst>
+              <a:ext uri="{FF2B5EF4-FFF2-40B4-BE49-F238E27FC236}">
+                <a16:creationId xmlns:a16="http://schemas.microsoft.com/office/drawing/2014/main" id="{41DFB847-488C-4916-98B3-BD56B92BBF5D}"/>
+              </a:ext>
+            </a:extLst>
+          </p:cNvPr>
+          <p:cNvSpPr/>
+          <p:nvPr/>
+        </p:nvSpPr>
+        <p:spPr>
+          <a:xfrm>
+            <a:off x="614626" y="1737360"/>
+            <a:ext cx="4937761" cy="4569172"/>
+          </a:xfrm>
+          <a:prstGeom prst="rect">
+            <a:avLst/>
+          </a:prstGeom>
+          <a:noFill/>
+        </p:spPr>
+        <p:style>
+          <a:lnRef idx="2">
+            <a:schemeClr val="accent1">
+              <a:shade val="50000"/>
+            </a:schemeClr>
+          </a:lnRef>
+          <a:fillRef idx="1">
+            <a:schemeClr val="accent1"/>
+          </a:fillRef>
+          <a:effectRef idx="0">
+            <a:schemeClr val="accent1"/>
+          </a:effectRef>
+          <a:fontRef idx="minor">
+            <a:schemeClr val="lt1"/>
+          </a:fontRef>
+        </p:style>
+        <p:txBody>
+          <a:bodyPr rtlCol="0" anchor="ctr"/>
+          <a:lstStyle/>
+          <a:p>
+            <a:pPr algn="ctr"/>
+            <a:endParaRPr lang="en-CA"/>
+          </a:p>
+        </p:txBody>
+      </p:sp>
+      <p:sp>
+        <p:nvSpPr>
+          <p:cNvPr id="6" name="Rectangle 5">
+            <a:extLst>
+              <a:ext uri="{FF2B5EF4-FFF2-40B4-BE49-F238E27FC236}">
+                <a16:creationId xmlns:a16="http://schemas.microsoft.com/office/drawing/2014/main" id="{F838D57C-2B54-40AB-9126-B1FA32990275}"/>
+              </a:ext>
+            </a:extLst>
+          </p:cNvPr>
+          <p:cNvSpPr/>
+          <p:nvPr/>
+        </p:nvSpPr>
+        <p:spPr>
+          <a:xfrm>
+            <a:off x="5627802" y="1737360"/>
+            <a:ext cx="5766062" cy="4569172"/>
+          </a:xfrm>
+          <a:prstGeom prst="rect">
+            <a:avLst/>
+          </a:prstGeom>
+          <a:noFill/>
+        </p:spPr>
+        <p:style>
+          <a:lnRef idx="2">
+            <a:schemeClr val="accent1">
+              <a:shade val="50000"/>
+            </a:schemeClr>
+          </a:lnRef>
+          <a:fillRef idx="1">
+            <a:schemeClr val="accent1"/>
+          </a:fillRef>
+          <a:effectRef idx="0">
+            <a:schemeClr val="accent1"/>
+          </a:effectRef>
+          <a:fontRef idx="minor">
+            <a:schemeClr val="lt1"/>
+          </a:fontRef>
+        </p:style>
+        <p:txBody>
+          <a:bodyPr rtlCol="0" anchor="ctr"/>
+          <a:lstStyle/>
+          <a:p>
+            <a:pPr algn="ctr"/>
+            <a:endParaRPr lang="en-CA"/>
           </a:p>
         </p:txBody>
       </p:sp>
@@ -5845,27 +5756,32 @@
           </a:bodyPr>
           <a:lstStyle/>
           <a:p>
+            <a:pPr>
+              <a:buFont typeface="Wingdings" panose="05000000000000000000" pitchFamily="2" charset="2"/>
+              <a:buChar char="§"/>
+            </a:pPr>
             <a:r>
               <a:rPr lang="en-US" sz="1200" dirty="0"/>
-              <a:t>Write a Program to Check Whether a Number is Prime or not. </a:t>
-            </a:r>
-          </a:p>
-          <a:p>
+              <a:t>Write a program to find the largest and smallest among three entered numbers and </a:t>
+            </a:r>
+          </a:p>
+          <a:p>
+            <a:pPr marL="0" indent="0">
+              <a:buNone/>
+            </a:pPr>
             <a:r>
               <a:rPr lang="en-US" sz="1200" dirty="0"/>
-              <a:t>2. Write a program to find the largest and smallest among three entered numbers and </a:t>
-            </a:r>
-          </a:p>
-          <a:p>
+              <a:t>     also display whether the identified largest/smallest number is even or odd. </a:t>
+            </a:r>
+          </a:p>
+          <a:p>
+            <a:pPr>
+              <a:buFont typeface="Wingdings" panose="05000000000000000000" pitchFamily="2" charset="2"/>
+              <a:buChar char="§"/>
+            </a:pPr>
             <a:r>
               <a:rPr lang="en-US" sz="1200" dirty="0"/>
-              <a:t>also display whether the identified largest/smallest number is even or odd. </a:t>
-            </a:r>
-          </a:p>
-          <a:p>
-            <a:r>
-              <a:rPr lang="en-US" sz="1200" dirty="0"/>
-              <a:t>3. Write a program to compute grade of students using if else adder. The grades are </a:t>
+              <a:t> Write a program to compute grade of students using if else adder. The grades are </a:t>
             </a:r>
             <a:r>
               <a:rPr lang="en-CA" sz="1200" dirty="0"/>
@@ -5873,52 +5789,54 @@
             </a:r>
           </a:p>
           <a:p>
+            <a:pPr marL="0" indent="0">
+              <a:buNone/>
+            </a:pPr>
             <a:r>
               <a:rPr lang="en-CA" sz="1200" dirty="0"/>
-              <a:t>a. Marks Grade </a:t>
+              <a:t>   Marks Grade </a:t>
             </a:r>
           </a:p>
           <a:p>
             <a:r>
               <a:rPr lang="en-CA" sz="1200" dirty="0"/>
-              <a:t>b. marks&lt;50 F </a:t>
+              <a:t>  marks&lt;50 F </a:t>
             </a:r>
           </a:p>
           <a:p>
             <a:r>
               <a:rPr lang="en-US" sz="1200" dirty="0"/>
-              <a:t>c. 50≤marks&lt; 60 C </a:t>
+              <a:t> 50≤marks&lt; 60 C </a:t>
             </a:r>
           </a:p>
           <a:p>
             <a:r>
               <a:rPr lang="en-US" sz="1200" dirty="0"/>
-              <a:t>d. 60≤marks&lt;70 B </a:t>
+              <a:t> 60≤marks&lt;70 B </a:t>
             </a:r>
           </a:p>
           <a:p>
             <a:r>
               <a:rPr lang="en-US" sz="1200" dirty="0"/>
-              <a:t>e. 70≤marks&lt;80 B+ </a:t>
+              <a:t> 70≤marks&lt;80 B+ </a:t>
             </a:r>
           </a:p>
           <a:p>
             <a:r>
               <a:rPr lang="en-US" sz="1200" dirty="0"/>
-              <a:t>f. 80≤marks&lt;90 A </a:t>
+              <a:t> 80≤marks&lt;90 A </a:t>
             </a:r>
           </a:p>
           <a:p>
             <a:r>
               <a:rPr lang="en-CA" sz="1200" dirty="0"/>
-              <a:t>g. 90≤mars≤ 100 A+ </a:t>
-            </a:r>
-          </a:p>
-          <a:p>
-            <a:r>
-              <a:rPr lang="en-US" sz="1200" dirty="0"/>
-              <a:t>4. Write a program to check whether the entered year is leap year or not (a year is leap if it is divisible by 4 and divisible by 100 or 400.)</a:t>
-            </a:r>
+              <a:t> 90≤mars≤ 100 A+ </a:t>
+            </a:r>
+          </a:p>
+          <a:p>
+            <a:pPr marL="0" indent="0">
+              <a:buNone/>
+            </a:pPr>
             <a:endParaRPr lang="en-CA" sz="1200" dirty="0"/>
           </a:p>
         </p:txBody>
@@ -5947,12 +5865,22 @@
         </p:spPr>
         <p:txBody>
           <a:bodyPr>
-            <a:normAutofit fontScale="55000" lnSpcReduction="20000"/>
+            <a:normAutofit/>
           </a:bodyPr>
           <a:lstStyle/>
           <a:p>
+            <a:pPr>
+              <a:buFont typeface="Wingdings" panose="05000000000000000000" pitchFamily="2" charset="2"/>
+              <a:buChar char="§"/>
+            </a:pPr>
+            <a:r>
+              <a:rPr lang="en-US" sz="1400" dirty="0"/>
+              <a:t>Write a Program to Check Whether a Number is Prime or not. </a:t>
+            </a:r>
+          </a:p>
+          <a:p>
             <a:pPr algn="l"/>
-            <a:endParaRPr lang="en-CA" sz="1800" b="0" i="0" u="none" strike="noStrike" baseline="0" dirty="0">
+            <a:endParaRPr lang="en-CA" sz="1400" b="0" i="0" u="none" strike="noStrike" baseline="0" dirty="0">
               <a:solidFill>
                 <a:srgbClr val="000000"/>
               </a:solidFill>
@@ -5960,82 +5888,142 @@
             </a:endParaRPr>
           </a:p>
           <a:p>
-            <a:r>
-              <a:rPr lang="en-US" sz="1800" dirty="0"/>
-              <a:t>5. Write a program to find the factorial of a number. </a:t>
-            </a:r>
-          </a:p>
-          <a:p>
-            <a:r>
-              <a:rPr lang="en-US" sz="1800" dirty="0"/>
-              <a:t>6. Write a program to check number is Armstrong or not. (Hint: A number is Armstrong if the sum of cubes of individual digits of a number is equal to the number itself).</a:t>
-            </a:r>
-            <a:endParaRPr lang="en-CA" sz="1800" dirty="0"/>
-          </a:p>
-          <a:p>
-            <a:r>
-              <a:rPr lang="en-US" sz="1800" b="0" i="0" u="none" strike="noStrike" baseline="0" dirty="0"/>
-              <a:t>Write a program to calculate simple and compound interest. </a:t>
-            </a:r>
-          </a:p>
-          <a:p>
-            <a:endParaRPr lang="en-CA" sz="1800" b="0" i="0" u="none" strike="noStrike" baseline="0" dirty="0"/>
-          </a:p>
-          <a:p>
-            <a:r>
-              <a:rPr lang="en-US" sz="1800" b="0" i="0" u="none" strike="noStrike" baseline="0" dirty="0"/>
-              <a:t>2. Write a program to swap values of two variables with and without using third variable. </a:t>
-            </a:r>
-          </a:p>
-          <a:p>
-            <a:endParaRPr lang="en-CA" sz="1800" b="0" i="0" u="none" strike="noStrike" baseline="0" dirty="0"/>
-          </a:p>
-          <a:p>
-            <a:r>
-              <a:rPr lang="en-US" sz="1800" b="0" i="0" u="none" strike="noStrike" baseline="0" dirty="0"/>
-              <a:t>3. Write a program to display the size of every data type using “</a:t>
-            </a:r>
-            <a:r>
-              <a:rPr lang="en-US" sz="1800" b="0" i="0" u="none" strike="noStrike" baseline="0" dirty="0" err="1"/>
-              <a:t>sizeof</a:t>
-            </a:r>
-            <a:r>
-              <a:rPr lang="en-US" sz="1800" b="0" i="0" u="none" strike="noStrike" baseline="0" dirty="0"/>
-              <a:t>” operator. </a:t>
-            </a:r>
-          </a:p>
-          <a:p>
-            <a:r>
-              <a:rPr lang="en-US" sz="1800" b="0" i="0" u="none" strike="noStrike" baseline="0" dirty="0"/>
-              <a:t>4. Write a program to illustrate the use of unary prefix and postfix increment and decrement operators. </a:t>
-            </a:r>
-          </a:p>
-          <a:p>
-            <a:r>
-              <a:rPr lang="en-US" sz="1800" b="0" i="0" u="none" strike="noStrike" baseline="0" dirty="0"/>
-              <a:t>5. Write a program to input two numbers and display the maximum number. </a:t>
-            </a:r>
-          </a:p>
-          <a:p>
-            <a:r>
-              <a:rPr lang="en-US" sz="1800" b="0" i="0" u="none" strike="noStrike" baseline="0" dirty="0"/>
-              <a:t>6. Write a program to find the largest of three numbers using ternary operators. </a:t>
-            </a:r>
-          </a:p>
-          <a:p>
-            <a:r>
-              <a:rPr lang="en-US" sz="1800" b="0" i="0" u="none" strike="noStrike" baseline="0" dirty="0"/>
-              <a:t>7. Write a program to find the roots of quadratic equation. </a:t>
-            </a:r>
-          </a:p>
-          <a:p>
-            <a:r>
-              <a:rPr lang="en-US" sz="1800" b="0" i="0" u="none" strike="noStrike" baseline="0" dirty="0"/>
-              <a:t>8. Write a program to input name, marks of 5 subjects of a student and display the name of the student, the total marks scored, percentage scored and the class of result. </a:t>
-            </a:r>
+            <a:pPr>
+              <a:lnSpc>
+                <a:spcPct val="110000"/>
+              </a:lnSpc>
+              <a:buFont typeface="Wingdings" panose="05000000000000000000" pitchFamily="2" charset="2"/>
+              <a:buChar char="§"/>
+            </a:pPr>
+            <a:r>
+              <a:rPr lang="en-US" sz="1400" dirty="0"/>
+              <a:t> Write a program to find the factorial of a number. </a:t>
+            </a:r>
+          </a:p>
+          <a:p>
+            <a:pPr>
+              <a:lnSpc>
+                <a:spcPct val="110000"/>
+              </a:lnSpc>
+              <a:buFont typeface="Wingdings" panose="05000000000000000000" pitchFamily="2" charset="2"/>
+              <a:buChar char="§"/>
+            </a:pPr>
+            <a:r>
+              <a:rPr lang="en-US" sz="1400" dirty="0"/>
+              <a:t> Write a program to check number is Armstrong or not. (Hint: A number is Armstrong if the      sum of cubes of individual digits of a number is equal to the number itself).</a:t>
+            </a:r>
+            <a:endParaRPr lang="en-CA" sz="1400" dirty="0"/>
+          </a:p>
+          <a:p>
+            <a:pPr>
+              <a:lnSpc>
+                <a:spcPct val="110000"/>
+              </a:lnSpc>
+              <a:buFont typeface="Wingdings" panose="05000000000000000000" pitchFamily="2" charset="2"/>
+              <a:buChar char="§"/>
+            </a:pPr>
+            <a:r>
+              <a:rPr lang="en-US" sz="1400" dirty="0"/>
+              <a:t>Write a program to swap values of two variables with and without using third variable. </a:t>
+            </a:r>
+            <a:endParaRPr lang="en-CA" sz="1400" dirty="0"/>
           </a:p>
           <a:p>
             <a:endParaRPr lang="en-CA" dirty="0"/>
+          </a:p>
+        </p:txBody>
+      </p:sp>
+      <p:sp>
+        <p:nvSpPr>
+          <p:cNvPr id="5" name="Rectangle 4">
+            <a:extLst>
+              <a:ext uri="{FF2B5EF4-FFF2-40B4-BE49-F238E27FC236}">
+                <a16:creationId xmlns:a16="http://schemas.microsoft.com/office/drawing/2014/main" id="{D5CE788E-C68C-430F-A888-E9CC9172D37A}"/>
+              </a:ext>
+            </a:extLst>
+          </p:cNvPr>
+          <p:cNvSpPr/>
+          <p:nvPr/>
+        </p:nvSpPr>
+        <p:spPr>
+          <a:xfrm>
+            <a:off x="329938" y="1737360"/>
+            <a:ext cx="5766062" cy="4427769"/>
+          </a:xfrm>
+          <a:prstGeom prst="rect">
+            <a:avLst/>
+          </a:prstGeom>
+          <a:noFill/>
+        </p:spPr>
+        <p:style>
+          <a:lnRef idx="2">
+            <a:schemeClr val="accent1">
+              <a:shade val="50000"/>
+            </a:schemeClr>
+          </a:lnRef>
+          <a:fillRef idx="1">
+            <a:schemeClr val="accent1"/>
+          </a:fillRef>
+          <a:effectRef idx="0">
+            <a:schemeClr val="accent1"/>
+          </a:effectRef>
+          <a:fontRef idx="minor">
+            <a:schemeClr val="lt1"/>
+          </a:fontRef>
+        </p:style>
+        <p:txBody>
+          <a:bodyPr rtlCol="0" anchor="ctr"/>
+          <a:lstStyle/>
+          <a:p>
+            <a:pPr algn="ctr"/>
+            <a:endParaRPr lang="en-CA"/>
+          </a:p>
+        </p:txBody>
+      </p:sp>
+      <p:sp>
+        <p:nvSpPr>
+          <p:cNvPr id="6" name="Rectangle 5">
+            <a:extLst>
+              <a:ext uri="{FF2B5EF4-FFF2-40B4-BE49-F238E27FC236}">
+                <a16:creationId xmlns:a16="http://schemas.microsoft.com/office/drawing/2014/main" id="{CB348584-BFCC-497E-9A23-C42CF177DC81}"/>
+              </a:ext>
+            </a:extLst>
+          </p:cNvPr>
+          <p:cNvSpPr/>
+          <p:nvPr/>
+        </p:nvSpPr>
+        <p:spPr>
+          <a:xfrm>
+            <a:off x="6096000" y="1724095"/>
+            <a:ext cx="5766062" cy="4427769"/>
+          </a:xfrm>
+          <a:prstGeom prst="rect">
+            <a:avLst/>
+          </a:prstGeom>
+          <a:noFill/>
+        </p:spPr>
+        <p:style>
+          <a:lnRef idx="2">
+            <a:schemeClr val="accent1">
+              <a:shade val="50000"/>
+            </a:schemeClr>
+          </a:lnRef>
+          <a:fillRef idx="1">
+            <a:schemeClr val="accent1"/>
+          </a:fillRef>
+          <a:effectRef idx="0">
+            <a:schemeClr val="accent1"/>
+          </a:effectRef>
+          <a:fontRef idx="minor">
+            <a:schemeClr val="lt1"/>
+          </a:fontRef>
+        </p:style>
+        <p:txBody>
+          <a:bodyPr rtlCol="0" anchor="ctr"/>
+          <a:lstStyle/>
+          <a:p>
+            <a:pPr algn="ctr"/>
+            <a:endParaRPr lang="en-CA"/>
           </a:p>
         </p:txBody>
       </p:sp>
@@ -6175,55 +6163,6 @@
             </a:r>
           </a:p>
           <a:p>
-            <a:r>
-              <a:rPr lang="en-CA" dirty="0" err="1"/>
-              <a:t>i</a:t>
-            </a:r>
-            <a:r>
-              <a:rPr lang="en-CA" dirty="0"/>
-              <a:t>=1</a:t>
-            </a:r>
-          </a:p>
-          <a:p>
-            <a:r>
-              <a:rPr lang="en-CA" dirty="0"/>
-              <a:t>while(</a:t>
-            </a:r>
-            <a:r>
-              <a:rPr lang="en-CA" dirty="0" err="1"/>
-              <a:t>i</a:t>
-            </a:r>
-            <a:r>
-              <a:rPr lang="en-CA" dirty="0"/>
-              <a:t>&lt;=10):</a:t>
-            </a:r>
-          </a:p>
-          <a:p>
-            <a:pPr marL="201168" lvl="1" indent="0">
-              <a:buNone/>
-            </a:pPr>
-            <a:r>
-              <a:rPr lang="en-CA" dirty="0"/>
-              <a:t>Print(“</a:t>
-            </a:r>
-            <a:r>
-              <a:rPr lang="en-CA" dirty="0" err="1"/>
-              <a:t>i</a:t>
-            </a:r>
-            <a:r>
-              <a:rPr lang="en-CA" dirty="0"/>
-              <a:t>=“,</a:t>
-            </a:r>
-            <a:r>
-              <a:rPr lang="en-CA" dirty="0" err="1"/>
-              <a:t>i</a:t>
-            </a:r>
-            <a:r>
-              <a:rPr lang="en-CA" dirty="0"/>
-              <a:t>)</a:t>
-            </a:r>
-          </a:p>
-          <a:p>
             <a:endParaRPr lang="en-CA" dirty="0"/>
           </a:p>
         </p:txBody>
@@ -6320,53 +6259,12 @@
               <a:rPr lang="en-CA" b="1" u="sng" dirty="0"/>
               <a:t>Example:</a:t>
             </a:r>
+          </a:p>
+          <a:p>
+            <a:pPr marL="0">
+              <a:buNone/>
+            </a:pPr>
             <a:endParaRPr lang="en-CA" dirty="0"/>
-          </a:p>
-          <a:p>
-            <a:pPr marL="0">
-              <a:buNone/>
-            </a:pPr>
-            <a:r>
-              <a:rPr lang="en-CA" dirty="0"/>
-              <a:t>For </a:t>
-            </a:r>
-            <a:r>
-              <a:rPr lang="en-CA" dirty="0" err="1"/>
-              <a:t>i</a:t>
-            </a:r>
-            <a:r>
-              <a:rPr lang="en-CA" dirty="0"/>
-              <a:t> in range(1,11): </a:t>
-            </a:r>
-            <a:r>
-              <a:rPr lang="en-CA" sz="1600" dirty="0"/>
-              <a:t>#range() will consider 1-10 only</a:t>
-            </a:r>
-          </a:p>
-          <a:p>
-            <a:pPr marL="0">
-              <a:buNone/>
-            </a:pPr>
-            <a:r>
-              <a:rPr lang="en-CA" dirty="0"/>
-              <a:t>   print(“</a:t>
-            </a:r>
-            <a:r>
-              <a:rPr lang="en-CA" dirty="0" err="1"/>
-              <a:t>i</a:t>
-            </a:r>
-            <a:r>
-              <a:rPr lang="en-CA" dirty="0"/>
-              <a:t>=“,</a:t>
-            </a:r>
-            <a:r>
-              <a:rPr lang="en-CA" dirty="0" err="1"/>
-              <a:t>i</a:t>
-            </a:r>
-            <a:r>
-              <a:rPr lang="en-CA" dirty="0"/>
-              <a:t>)</a:t>
-            </a:r>
           </a:p>
         </p:txBody>
       </p:sp>
@@ -6464,6 +6362,65 @@
           </a:p>
         </p:txBody>
       </p:sp>
+      <p:pic>
+        <p:nvPicPr>
+          <p:cNvPr id="10" name="Picture 9">
+            <a:extLst>
+              <a:ext uri="{FF2B5EF4-FFF2-40B4-BE49-F238E27FC236}">
+                <a16:creationId xmlns:a16="http://schemas.microsoft.com/office/drawing/2014/main" id="{F656E0B4-2E2F-4B1F-89F3-B3CB139E00DF}"/>
+              </a:ext>
+            </a:extLst>
+          </p:cNvPr>
+          <p:cNvPicPr>
+            <a:picLocks noChangeAspect="1"/>
+          </p:cNvPicPr>
+          <p:nvPr/>
+        </p:nvPicPr>
+        <p:blipFill>
+          <a:blip r:embed="rId2"/>
+          <a:stretch>
+            <a:fillRect/>
+          </a:stretch>
+        </p:blipFill>
+        <p:spPr>
+          <a:xfrm>
+            <a:off x="6324993" y="4910727"/>
+            <a:ext cx="4914900" cy="581025"/>
+          </a:xfrm>
+          <a:prstGeom prst="rect">
+            <a:avLst/>
+          </a:prstGeom>
+        </p:spPr>
+      </p:pic>
+      <p:pic>
+        <p:nvPicPr>
+          <p:cNvPr id="12" name="Picture 11">
+            <a:extLst>
+              <a:ext uri="{FF2B5EF4-FFF2-40B4-BE49-F238E27FC236}">
+                <a16:creationId xmlns:a16="http://schemas.microsoft.com/office/drawing/2014/main" id="{09FA66E0-72B8-4850-A7E2-5B8928BB254F}"/>
+              </a:ext>
+            </a:extLst>
+          </p:cNvPr>
+          <p:cNvPicPr>
+            <a:picLocks noChangeAspect="1"/>
+          </p:cNvPicPr>
+          <p:nvPr/>
+        </p:nvPicPr>
+        <p:blipFill rotWithShape="1">
+          <a:blip r:embed="rId3"/>
+          <a:srcRect b="6982"/>
+          <a:stretch/>
+        </p:blipFill>
+        <p:spPr>
+          <a:xfrm>
+            <a:off x="1358589" y="4692584"/>
+            <a:ext cx="1914525" cy="779676"/>
+          </a:xfrm>
+          <a:prstGeom prst="rect">
+            <a:avLst/>
+          </a:prstGeom>
+        </p:spPr>
+      </p:pic>
     </p:spTree>
     <p:extLst>
       <p:ext uri="{BB962C8B-B14F-4D97-AF65-F5344CB8AC3E}">
@@ -7510,35 +7467,6 @@
       </p:sp>
       <p:pic>
         <p:nvPicPr>
-          <p:cNvPr id="14" name="Picture 13">
-            <a:extLst>
-              <a:ext uri="{FF2B5EF4-FFF2-40B4-BE49-F238E27FC236}">
-                <a16:creationId xmlns:a16="http://schemas.microsoft.com/office/drawing/2014/main" id="{EF8613D2-A0F7-41CC-B515-4E3A01AF3E1B}"/>
-              </a:ext>
-            </a:extLst>
-          </p:cNvPr>
-          <p:cNvPicPr>
-            <a:picLocks noChangeAspect="1"/>
-          </p:cNvPicPr>
-          <p:nvPr/>
-        </p:nvPicPr>
-        <p:blipFill rotWithShape="1">
-          <a:blip r:embed="rId2"/>
-          <a:srcRect l="54"/>
-          <a:stretch/>
-        </p:blipFill>
-        <p:spPr>
-          <a:xfrm>
-            <a:off x="7166668" y="4157220"/>
-            <a:ext cx="4164352" cy="2144207"/>
-          </a:xfrm>
-          <a:prstGeom prst="rect">
-            <a:avLst/>
-          </a:prstGeom>
-        </p:spPr>
-      </p:pic>
-      <p:pic>
-        <p:nvPicPr>
           <p:cNvPr id="16" name="Picture 15">
             <a:extLst>
               <a:ext uri="{FF2B5EF4-FFF2-40B4-BE49-F238E27FC236}">
@@ -7552,7 +7480,7 @@
           <p:nvPr/>
         </p:nvPicPr>
         <p:blipFill>
-          <a:blip r:embed="rId3"/>
+          <a:blip r:embed="rId2"/>
           <a:stretch>
             <a:fillRect/>
           </a:stretch>
@@ -7582,6 +7510,36 @@
           <p:nvPr/>
         </p:nvPicPr>
         <p:blipFill>
+          <a:blip r:embed="rId3"/>
+          <a:stretch>
+            <a:fillRect/>
+          </a:stretch>
+        </p:blipFill>
+        <p:spPr>
+          <a:xfrm>
+            <a:off x="893935" y="4278311"/>
+            <a:ext cx="2786909" cy="2023117"/>
+          </a:xfrm>
+          <a:prstGeom prst="rect">
+            <a:avLst/>
+          </a:prstGeom>
+        </p:spPr>
+      </p:pic>
+      <p:pic>
+        <p:nvPicPr>
+          <p:cNvPr id="13" name="Picture 12">
+            <a:extLst>
+              <a:ext uri="{FF2B5EF4-FFF2-40B4-BE49-F238E27FC236}">
+                <a16:creationId xmlns:a16="http://schemas.microsoft.com/office/drawing/2014/main" id="{F02CE753-FAA4-47DE-93D9-A3BAC44DFB18}"/>
+              </a:ext>
+            </a:extLst>
+          </p:cNvPr>
+          <p:cNvPicPr>
+            <a:picLocks noChangeAspect="1"/>
+          </p:cNvPicPr>
+          <p:nvPr/>
+        </p:nvPicPr>
+        <p:blipFill>
           <a:blip r:embed="rId4"/>
           <a:stretch>
             <a:fillRect/>
@@ -7589,8 +7547,8 @@
         </p:blipFill>
         <p:spPr>
           <a:xfrm>
-            <a:off x="893935" y="4278311"/>
-            <a:ext cx="2786909" cy="2023117"/>
+            <a:off x="7589068" y="4113339"/>
+            <a:ext cx="2983780" cy="2206368"/>
           </a:xfrm>
           <a:prstGeom prst="rect">
             <a:avLst/>
@@ -7777,26 +7735,12 @@
               <a:buChar char="§"/>
             </a:pPr>
             <a:r>
-              <a:rPr lang="en-CA" sz="1200" b="0" i="0" u="none" strike="noStrike" baseline="0" dirty="0">
-                <a:solidFill>
-                  <a:srgbClr val="222222"/>
-                </a:solidFill>
-              </a:rPr>
-              <a:t> Reverse a Number</a:t>
-            </a:r>
-          </a:p>
-          <a:p>
-            <a:pPr algn="l">
-              <a:buFont typeface="Wingdings" panose="05000000000000000000" pitchFamily="2" charset="2"/>
-              <a:buChar char="§"/>
-            </a:pPr>
-            <a:r>
               <a:rPr lang="en-US" sz="1200" b="0" i="0" u="none" strike="noStrike" baseline="0" dirty="0">
                 <a:solidFill>
                   <a:srgbClr val="222222"/>
                 </a:solidFill>
               </a:rPr>
-              <a:t> Check Whether a Number is A Palindrome or Not</a:t>
+              <a:t>Check Whether a Number is A Palindrome or Not</a:t>
             </a:r>
           </a:p>
           <a:p>
@@ -7847,26 +7791,12 @@
               <a:buChar char="§"/>
             </a:pPr>
             <a:r>
-              <a:rPr lang="en-US" sz="1200" b="0" i="0" u="none" strike="noStrike" baseline="0" dirty="0">
-                <a:solidFill>
-                  <a:srgbClr val="222222"/>
-                </a:solidFill>
-              </a:rPr>
-              <a:t> Number Is Divisible By 11 Using (VEDIC MATH)</a:t>
-            </a:r>
-          </a:p>
-          <a:p>
-            <a:pPr algn="l">
-              <a:buFont typeface="Wingdings" panose="05000000000000000000" pitchFamily="2" charset="2"/>
-              <a:buChar char="§"/>
-            </a:pPr>
-            <a:r>
               <a:rPr lang="en-CA" sz="1200" b="0" i="0" u="none" strike="noStrike" baseline="0" dirty="0">
                 <a:solidFill>
                   <a:srgbClr val="222222"/>
                 </a:solidFill>
               </a:rPr>
-              <a:t> Denomination of an Amount</a:t>
+              <a:t>Denomination of an Amount</a:t>
             </a:r>
           </a:p>
         </p:txBody>
@@ -7918,85 +7848,6 @@
             </a:r>
           </a:p>
           <a:p>
-            <a:pPr algn="l">
-              <a:buFont typeface="Wingdings" panose="05000000000000000000" pitchFamily="2" charset="2"/>
-              <a:buChar char="§"/>
-            </a:pPr>
-            <a:r>
-              <a:rPr lang="en-US" sz="1000" b="0" i="0" u="none" strike="noStrike" baseline="0" dirty="0">
-                <a:solidFill>
-                  <a:srgbClr val="222222"/>
-                </a:solidFill>
-              </a:rPr>
-              <a:t>Generate IP (Internet Protocol) Addresses Using</a:t>
-            </a:r>
-          </a:p>
-          <a:p>
-            <a:pPr algn="l">
-              <a:buFont typeface="Wingdings" panose="05000000000000000000" pitchFamily="2" charset="2"/>
-              <a:buChar char="§"/>
-            </a:pPr>
-            <a:r>
-              <a:rPr lang="en-CA" sz="1000" b="0" i="0" u="none" strike="noStrike" baseline="0" dirty="0">
-                <a:solidFill>
-                  <a:srgbClr val="222222"/>
-                </a:solidFill>
-              </a:rPr>
-              <a:t>Print Multiplication Table Using</a:t>
-            </a:r>
-          </a:p>
-          <a:p>
-            <a:pPr algn="l">
-              <a:buFont typeface="Wingdings" panose="05000000000000000000" pitchFamily="2" charset="2"/>
-              <a:buChar char="§"/>
-            </a:pPr>
-            <a:r>
-              <a:rPr lang="en-US" sz="1000" b="0" i="0" u="none" strike="noStrike" baseline="0" dirty="0">
-                <a:solidFill>
-                  <a:srgbClr val="222222"/>
-                </a:solidFill>
-              </a:rPr>
-              <a:t>Sort A Float Array In Ascending And Descending   </a:t>
-            </a:r>
-          </a:p>
-          <a:p>
-            <a:pPr algn="l">
-              <a:buFont typeface="Wingdings" panose="05000000000000000000" pitchFamily="2" charset="2"/>
-              <a:buChar char="§"/>
-            </a:pPr>
-            <a:r>
-              <a:rPr lang="en-US" sz="1000" dirty="0">
-                <a:solidFill>
-                  <a:srgbClr val="222222"/>
-                </a:solidFill>
-              </a:rPr>
-              <a:t>    </a:t>
-            </a:r>
-            <a:r>
-              <a:rPr lang="en-US" sz="1000" b="0" i="0" u="none" strike="noStrike" baseline="0" dirty="0">
-                <a:solidFill>
-                  <a:srgbClr val="222222"/>
-                </a:solidFill>
-              </a:rPr>
-              <a:t>Order Using</a:t>
-            </a:r>
-          </a:p>
-          <a:p>
-            <a:pPr algn="l">
-              <a:buFont typeface="Wingdings" panose="05000000000000000000" pitchFamily="2" charset="2"/>
-              <a:buChar char="§"/>
-            </a:pPr>
-            <a:r>
-              <a:rPr lang="en-US" sz="1000" b="0" i="0" u="none" strike="noStrike" baseline="0" dirty="0">
-                <a:solidFill>
-                  <a:srgbClr val="222222"/>
-                </a:solidFill>
-              </a:rPr>
-              <a:t>Find GCD of two Numbers Using</a:t>
-            </a:r>
-            <a:endParaRPr lang="en-CA" sz="1000" dirty="0"/>
-          </a:p>
-          <a:p>
             <a:r>
               <a:rPr lang="en-US" sz="1000" b="0" i="0" u="none" strike="noStrike" baseline="0" dirty="0"/>
               <a:t>Write a program to count number of digits in a given integer. </a:t>
@@ -8005,7 +7856,7 @@
           <a:p>
             <a:r>
               <a:rPr lang="en-US" sz="1000" b="0" i="0" u="none" strike="noStrike" baseline="0" dirty="0"/>
-              <a:t>2. Write a program to reverse a given integer. </a:t>
+              <a:t>Write a program to reverse a given integer. </a:t>
             </a:r>
           </a:p>
           <a:p>

--- a/2.Conditional_Statements/2.Conditional_Statements.pptx
+++ b/2.Conditional_Statements/2.Conditional_Statements.pptx
@@ -347,7 +347,7 @@
           <a:p>
             <a:fld id="{81BCB29C-0912-4C52-8AF1-88364E42C0B3}" type="datetimeFigureOut">
               <a:rPr lang="en-CA" smtClean="0"/>
-              <a:t>2021-05-06</a:t>
+              <a:t>2021-05-07</a:t>
             </a:fld>
             <a:endParaRPr lang="en-CA"/>
           </a:p>
@@ -555,7 +555,7 @@
           <a:p>
             <a:fld id="{81BCB29C-0912-4C52-8AF1-88364E42C0B3}" type="datetimeFigureOut">
               <a:rPr lang="en-CA" smtClean="0"/>
-              <a:t>2021-05-06</a:t>
+              <a:t>2021-05-07</a:t>
             </a:fld>
             <a:endParaRPr lang="en-CA"/>
           </a:p>
@@ -811,7 +811,7 @@
           <a:p>
             <a:fld id="{81BCB29C-0912-4C52-8AF1-88364E42C0B3}" type="datetimeFigureOut">
               <a:rPr lang="en-CA" smtClean="0"/>
-              <a:t>2021-05-06</a:t>
+              <a:t>2021-05-07</a:t>
             </a:fld>
             <a:endParaRPr lang="en-CA"/>
           </a:p>
@@ -981,7 +981,7 @@
           <a:p>
             <a:fld id="{81BCB29C-0912-4C52-8AF1-88364E42C0B3}" type="datetimeFigureOut">
               <a:rPr lang="en-CA" smtClean="0"/>
-              <a:t>2021-05-06</a:t>
+              <a:t>2021-05-07</a:t>
             </a:fld>
             <a:endParaRPr lang="en-CA"/>
           </a:p>
@@ -1324,7 +1324,7 @@
           <a:p>
             <a:fld id="{81BCB29C-0912-4C52-8AF1-88364E42C0B3}" type="datetimeFigureOut">
               <a:rPr lang="en-CA" smtClean="0"/>
-              <a:t>2021-05-06</a:t>
+              <a:t>2021-05-07</a:t>
             </a:fld>
             <a:endParaRPr lang="en-CA"/>
           </a:p>
@@ -1599,7 +1599,7 @@
           <a:p>
             <a:fld id="{81BCB29C-0912-4C52-8AF1-88364E42C0B3}" type="datetimeFigureOut">
               <a:rPr lang="en-CA" smtClean="0"/>
-              <a:t>2021-05-06</a:t>
+              <a:t>2021-05-07</a:t>
             </a:fld>
             <a:endParaRPr lang="en-CA"/>
           </a:p>
@@ -1978,7 +1978,7 @@
           <a:p>
             <a:fld id="{81BCB29C-0912-4C52-8AF1-88364E42C0B3}" type="datetimeFigureOut">
               <a:rPr lang="en-CA" smtClean="0"/>
-              <a:t>2021-05-06</a:t>
+              <a:t>2021-05-07</a:t>
             </a:fld>
             <a:endParaRPr lang="en-CA"/>
           </a:p>
@@ -2096,7 +2096,7 @@
           <a:p>
             <a:fld id="{81BCB29C-0912-4C52-8AF1-88364E42C0B3}" type="datetimeFigureOut">
               <a:rPr lang="en-CA" smtClean="0"/>
-              <a:t>2021-05-06</a:t>
+              <a:t>2021-05-07</a:t>
             </a:fld>
             <a:endParaRPr lang="en-CA"/>
           </a:p>
@@ -2267,7 +2267,7 @@
           <a:p>
             <a:fld id="{81BCB29C-0912-4C52-8AF1-88364E42C0B3}" type="datetimeFigureOut">
               <a:rPr lang="en-CA" smtClean="0"/>
-              <a:t>2021-05-06</a:t>
+              <a:t>2021-05-07</a:t>
             </a:fld>
             <a:endParaRPr lang="en-CA"/>
           </a:p>
@@ -2621,7 +2621,7 @@
           <a:p>
             <a:fld id="{81BCB29C-0912-4C52-8AF1-88364E42C0B3}" type="datetimeFigureOut">
               <a:rPr lang="en-CA" smtClean="0"/>
-              <a:t>2021-05-06</a:t>
+              <a:t>2021-05-07</a:t>
             </a:fld>
             <a:endParaRPr lang="en-CA"/>
           </a:p>
@@ -2998,7 +2998,7 @@
           <a:p>
             <a:fld id="{81BCB29C-0912-4C52-8AF1-88364E42C0B3}" type="datetimeFigureOut">
               <a:rPr lang="en-CA" smtClean="0"/>
-              <a:t>2021-05-06</a:t>
+              <a:t>2021-05-07</a:t>
             </a:fld>
             <a:endParaRPr lang="en-CA"/>
           </a:p>
@@ -3285,7 +3285,7 @@
           <a:p>
             <a:fld id="{81BCB29C-0912-4C52-8AF1-88364E42C0B3}" type="datetimeFigureOut">
               <a:rPr lang="en-CA" smtClean="0"/>
-              <a:t>2021-05-06</a:t>
+              <a:t>2021-05-07</a:t>
             </a:fld>
             <a:endParaRPr lang="en-CA"/>
           </a:p>
@@ -5244,13 +5244,13 @@
         </p:nvSpPr>
         <p:spPr>
           <a:xfrm>
-            <a:off x="690042" y="1829254"/>
+            <a:off x="502763" y="1862248"/>
             <a:ext cx="4937760" cy="4385384"/>
           </a:xfrm>
         </p:spPr>
         <p:txBody>
           <a:bodyPr>
-            <a:normAutofit fontScale="40000" lnSpcReduction="20000"/>
+            <a:normAutofit fontScale="47500" lnSpcReduction="20000"/>
           </a:bodyPr>
           <a:lstStyle/>
           <a:p>
@@ -5264,6 +5264,14 @@
                   <a:srgbClr val="222222"/>
                 </a:solidFill>
               </a:rPr>
+              <a:t> </a:t>
+            </a:r>
+            <a:r>
+              <a:rPr lang="en-US" sz="3500" b="0" i="0" u="none" strike="noStrike" baseline="0" dirty="0">
+                <a:solidFill>
+                  <a:srgbClr val="222222"/>
+                </a:solidFill>
+              </a:rPr>
               <a:t>The Greatest Number Among the Given Three Number</a:t>
             </a:r>
           </a:p>
@@ -5273,12 +5281,12 @@
               <a:buChar char="§"/>
             </a:pPr>
             <a:r>
-              <a:rPr lang="en-US" sz="4300" b="0" i="0" u="none" strike="noStrike" baseline="0" dirty="0">
+              <a:rPr lang="en-US" sz="3500" b="0" i="0" u="none" strike="noStrike" baseline="0" dirty="0">
                 <a:solidFill>
                   <a:srgbClr val="222222"/>
                 </a:solidFill>
               </a:rPr>
-              <a:t>The Number Is Positive or Negative</a:t>
+              <a:t> Character Is Vowel or Consonant</a:t>
             </a:r>
           </a:p>
           <a:p>
@@ -5287,12 +5295,12 @@
               <a:buChar char="§"/>
             </a:pPr>
             <a:r>
-              <a:rPr lang="en-US" sz="4300" b="0" i="0" u="none" strike="noStrike" baseline="0" dirty="0">
+              <a:rPr lang="en-US" sz="3500" b="0" i="0" u="none" strike="noStrike" baseline="0" dirty="0">
                 <a:solidFill>
                   <a:srgbClr val="222222"/>
                 </a:solidFill>
               </a:rPr>
-              <a:t>Character Is Vowel or Consonant</a:t>
+              <a:t> A Character Is an Alphabet or Not, Uppercase, Lowercase, Special Character, or Digit</a:t>
             </a:r>
           </a:p>
           <a:p>
@@ -5301,12 +5309,12 @@
               <a:buChar char="§"/>
             </a:pPr>
             <a:r>
-              <a:rPr lang="en-US" sz="4300" b="0" i="0" u="none" strike="noStrike" baseline="0" dirty="0">
+              <a:rPr lang="en-US" sz="3500" b="0" i="0" u="none" strike="noStrike" baseline="0" dirty="0">
                 <a:solidFill>
                   <a:srgbClr val="222222"/>
                 </a:solidFill>
               </a:rPr>
-              <a:t>A Character Is an Alphabet or Not, Uppercase, Lowercase, Special Character, or Digit</a:t>
+              <a:t> The Number Is Even or Odd</a:t>
             </a:r>
           </a:p>
           <a:p>
@@ -5315,12 +5323,12 @@
               <a:buChar char="§"/>
             </a:pPr>
             <a:r>
-              <a:rPr lang="en-US" sz="4300" b="0" i="0" u="none" strike="noStrike" baseline="0" dirty="0">
+              <a:rPr lang="en-CA" sz="3500" b="0" i="0" u="none" strike="noStrike" baseline="0" dirty="0">
                 <a:solidFill>
                   <a:srgbClr val="222222"/>
                 </a:solidFill>
               </a:rPr>
-              <a:t>The Number Is Even or Odd</a:t>
+              <a:t> Leap Year</a:t>
             </a:r>
           </a:p>
           <a:p>
@@ -5329,13 +5337,18 @@
               <a:buChar char="§"/>
             </a:pPr>
             <a:r>
-              <a:rPr lang="en-CA" sz="4300" b="0" i="0" u="none" strike="noStrike" baseline="0" dirty="0">
+              <a:rPr lang="en-CA" sz="3500" dirty="0">
                 <a:solidFill>
                   <a:srgbClr val="222222"/>
                 </a:solidFill>
               </a:rPr>
-              <a:t>Leap Year</a:t>
-            </a:r>
+              <a:t> Gross Salary calculator (consider overtime)</a:t>
+            </a:r>
+            <a:endParaRPr lang="en-CA" sz="3500" b="0" i="0" u="none" strike="noStrike" baseline="0" dirty="0">
+              <a:solidFill>
+                <a:srgbClr val="222222"/>
+              </a:solidFill>
+            </a:endParaRPr>
           </a:p>
           <a:p>
             <a:pPr algn="l">
@@ -5343,12 +5356,12 @@
               <a:buChar char="§"/>
             </a:pPr>
             <a:r>
-              <a:rPr lang="en-US" sz="4300" b="0" i="0" u="none" strike="noStrike" baseline="0" dirty="0">
+              <a:rPr lang="en-CA" sz="3500" b="0" i="0" u="none" strike="noStrike" baseline="0" dirty="0">
                 <a:solidFill>
                   <a:srgbClr val="222222"/>
                 </a:solidFill>
               </a:rPr>
-              <a:t>The Date Is Correct or Not</a:t>
+              <a:t> Voting Eligibility Checker</a:t>
             </a:r>
           </a:p>
           <a:p>
@@ -5357,12 +5370,12 @@
               <a:buChar char="§"/>
             </a:pPr>
             <a:r>
-              <a:rPr lang="en-CA" sz="4300" b="0" i="0" u="none" strike="noStrike" baseline="0" dirty="0">
+              <a:rPr lang="en-US" sz="3500" b="0" i="0" u="none" strike="noStrike" baseline="0" dirty="0">
                 <a:solidFill>
                   <a:srgbClr val="222222"/>
                 </a:solidFill>
               </a:rPr>
-              <a:t>Voting Eligibility Checker</a:t>
+              <a:t> Input week number and print weekday.</a:t>
             </a:r>
           </a:p>
           <a:p>
@@ -5371,26 +5384,25 @@
               <a:buChar char="§"/>
             </a:pPr>
             <a:r>
-              <a:rPr lang="en-US" sz="4300" b="0" i="0" u="none" strike="noStrike" baseline="0" dirty="0">
+              <a:rPr lang="en-US" sz="3500" b="0" i="0" u="none" strike="noStrike" baseline="0" dirty="0">
                 <a:solidFill>
                   <a:srgbClr val="222222"/>
                 </a:solidFill>
               </a:rPr>
-              <a:t>Input week number and print weekday.</a:t>
-            </a:r>
-          </a:p>
-          <a:p>
-            <a:pPr algn="l">
-              <a:buFont typeface="Wingdings" panose="05000000000000000000" pitchFamily="2" charset="2"/>
-              <a:buChar char="§"/>
+              <a:t> Input month number and print number of days in that     </a:t>
+            </a:r>
+          </a:p>
+          <a:p>
+            <a:pPr marL="0" indent="0" algn="l">
+              <a:buNone/>
             </a:pPr>
             <a:r>
-              <a:rPr lang="en-US" sz="4300" b="0" i="0" u="none" strike="noStrike" baseline="0" dirty="0">
+              <a:rPr lang="en-US" sz="3500" b="0" i="0" u="none" strike="noStrike" baseline="0" dirty="0">
                 <a:solidFill>
                   <a:srgbClr val="222222"/>
                 </a:solidFill>
               </a:rPr>
-              <a:t>Input month number and print number of days in that month.</a:t>
+              <a:t>   month.</a:t>
             </a:r>
           </a:p>
           <a:p>
@@ -5428,7 +5440,7 @@
         </p:spPr>
         <p:txBody>
           <a:bodyPr>
-            <a:normAutofit fontScale="40000" lnSpcReduction="20000"/>
+            <a:normAutofit fontScale="47500" lnSpcReduction="20000"/>
           </a:bodyPr>
           <a:lstStyle/>
           <a:p>
@@ -5442,7 +5454,15 @@
                   <a:srgbClr val="222222"/>
                 </a:solidFill>
               </a:rPr>
-              <a:t> Find the maximum between two numbers.</a:t>
+              <a:t> </a:t>
+            </a:r>
+            <a:r>
+              <a:rPr lang="en-US" sz="3500" dirty="0">
+                <a:solidFill>
+                  <a:srgbClr val="222222"/>
+                </a:solidFill>
+              </a:rPr>
+              <a:t>Find the maximum between two numbers.</a:t>
             </a:r>
           </a:p>
           <a:p>
@@ -5451,12 +5471,12 @@
               <a:buChar char="§"/>
             </a:pPr>
             <a:r>
-              <a:rPr lang="en-US" sz="4400" dirty="0">
+              <a:rPr lang="en-US" sz="3500" dirty="0">
                 <a:solidFill>
                   <a:srgbClr val="222222"/>
                 </a:solidFill>
               </a:rPr>
-              <a:t> Find the maximum between the three numbers.</a:t>
+              <a:t>Check whether a number is negative, positive or zero.</a:t>
             </a:r>
           </a:p>
           <a:p>
@@ -5465,21 +5485,7 @@
               <a:buChar char="§"/>
             </a:pPr>
             <a:r>
-              <a:rPr lang="en-US" sz="4400" dirty="0">
-                <a:solidFill>
-                  <a:srgbClr val="222222"/>
-                </a:solidFill>
-              </a:rPr>
-              <a:t> Check whether a number is negative, positive or zero.</a:t>
-            </a:r>
-          </a:p>
-          <a:p>
-            <a:pPr>
-              <a:buFont typeface="Wingdings" panose="05000000000000000000" pitchFamily="2" charset="2"/>
-              <a:buChar char="§"/>
-            </a:pPr>
-            <a:r>
-              <a:rPr lang="en-US" sz="4400" dirty="0">
+              <a:rPr lang="en-US" sz="3500" dirty="0">
                 <a:solidFill>
                   <a:srgbClr val="222222"/>
                 </a:solidFill>
@@ -5493,12 +5499,12 @@
               <a:buChar char="§"/>
             </a:pPr>
             <a:r>
-              <a:rPr lang="en-US" sz="4400" dirty="0">
+              <a:rPr lang="en-US" sz="3500" dirty="0">
                 <a:solidFill>
                   <a:srgbClr val="222222"/>
                 </a:solidFill>
               </a:rPr>
-              <a:t>Count the total number of notes in a given amount.</a:t>
+              <a:t> Denomination for a given amount.</a:t>
             </a:r>
           </a:p>
           <a:p>
@@ -5507,7 +5513,7 @@
               <a:buChar char="§"/>
             </a:pPr>
             <a:r>
-              <a:rPr lang="en-US" sz="4400" dirty="0">
+              <a:rPr lang="en-US" sz="3500" dirty="0">
                 <a:solidFill>
                   <a:srgbClr val="222222"/>
                 </a:solidFill>
@@ -5521,7 +5527,7 @@
               <a:buChar char="§"/>
             </a:pPr>
             <a:r>
-              <a:rPr lang="en-US" sz="4400" dirty="0">
+              <a:rPr lang="en-US" sz="3500" dirty="0">
                 <a:solidFill>
                   <a:srgbClr val="222222"/>
                 </a:solidFill>
@@ -5535,12 +5541,12 @@
               <a:buChar char="§"/>
             </a:pPr>
             <a:r>
-              <a:rPr lang="en-US" sz="4400" dirty="0">
+              <a:rPr lang="en-US" sz="3500" dirty="0">
                 <a:solidFill>
                   <a:srgbClr val="222222"/>
                 </a:solidFill>
               </a:rPr>
-              <a:t> Check whether the triangle is an equilateral, isosceles or scalene triangle.</a:t>
+              <a:t> Check whether the triangle is an equilateral, isosceles or scalene triangle and calculate the area</a:t>
             </a:r>
           </a:p>
           <a:p>
@@ -5549,7 +5555,7 @@
               <a:buChar char="§"/>
             </a:pPr>
             <a:r>
-              <a:rPr lang="en-US" sz="4400" dirty="0">
+              <a:rPr lang="en-US" sz="3500" dirty="0">
                 <a:solidFill>
                   <a:srgbClr val="222222"/>
                 </a:solidFill>
@@ -5563,7 +5569,7 @@
               <a:buChar char="§"/>
             </a:pPr>
             <a:r>
-              <a:rPr lang="en-CA" sz="4400" dirty="0">
+              <a:rPr lang="en-CA" sz="3500" dirty="0">
                 <a:solidFill>
                   <a:srgbClr val="222222"/>
                 </a:solidFill>
@@ -5590,8 +5596,8 @@
         </p:nvSpPr>
         <p:spPr>
           <a:xfrm>
-            <a:off x="614626" y="1737360"/>
-            <a:ext cx="4937761" cy="4569172"/>
+            <a:off x="390900" y="1737360"/>
+            <a:ext cx="5161487" cy="4569172"/>
           </a:xfrm>
           <a:prstGeom prst="rect">
             <a:avLst/>
@@ -5761,7 +5767,7 @@
               <a:buChar char="§"/>
             </a:pPr>
             <a:r>
-              <a:rPr lang="en-US" sz="1200" dirty="0"/>
+              <a:rPr lang="en-US" sz="1400" dirty="0"/>
               <a:t>Write a program to find the largest and smallest among three entered numbers and </a:t>
             </a:r>
           </a:p>
@@ -5770,7 +5776,7 @@
               <a:buNone/>
             </a:pPr>
             <a:r>
-              <a:rPr lang="en-US" sz="1200" dirty="0"/>
+              <a:rPr lang="en-US" sz="1400" dirty="0"/>
               <a:t>     also display whether the identified largest/smallest number is even or odd. </a:t>
             </a:r>
           </a:p>
@@ -5780,11 +5786,11 @@
               <a:buChar char="§"/>
             </a:pPr>
             <a:r>
-              <a:rPr lang="en-US" sz="1200" dirty="0"/>
+              <a:rPr lang="en-US" sz="1400" dirty="0"/>
               <a:t> Write a program to compute grade of students using if else adder. The grades are </a:t>
             </a:r>
             <a:r>
-              <a:rPr lang="en-CA" sz="1200" dirty="0"/>
+              <a:rPr lang="en-CA" sz="1400" dirty="0"/>
               <a:t>assigned as followed: </a:t>
             </a:r>
           </a:p>
@@ -5793,43 +5799,43 @@
               <a:buNone/>
             </a:pPr>
             <a:r>
-              <a:rPr lang="en-CA" sz="1200" dirty="0"/>
+              <a:rPr lang="en-CA" sz="1400" dirty="0"/>
               <a:t>   Marks Grade </a:t>
             </a:r>
           </a:p>
           <a:p>
             <a:r>
-              <a:rPr lang="en-CA" sz="1200" dirty="0"/>
-              <a:t>  marks&lt;50 F </a:t>
-            </a:r>
-          </a:p>
-          <a:p>
-            <a:r>
-              <a:rPr lang="en-US" sz="1200" dirty="0"/>
+              <a:rPr lang="en-CA" sz="1400" dirty="0"/>
+              <a:t> marks&lt;50 F </a:t>
+            </a:r>
+          </a:p>
+          <a:p>
+            <a:r>
+              <a:rPr lang="en-US" sz="1400" dirty="0"/>
               <a:t> 50≤marks&lt; 60 C </a:t>
             </a:r>
           </a:p>
           <a:p>
             <a:r>
-              <a:rPr lang="en-US" sz="1200" dirty="0"/>
+              <a:rPr lang="en-US" sz="1400" dirty="0"/>
               <a:t> 60≤marks&lt;70 B </a:t>
             </a:r>
           </a:p>
           <a:p>
             <a:r>
-              <a:rPr lang="en-US" sz="1200" dirty="0"/>
+              <a:rPr lang="en-US" sz="1400" dirty="0"/>
               <a:t> 70≤marks&lt;80 B+ </a:t>
             </a:r>
           </a:p>
           <a:p>
             <a:r>
-              <a:rPr lang="en-US" sz="1200" dirty="0"/>
+              <a:rPr lang="en-US" sz="1400" dirty="0"/>
               <a:t> 80≤marks&lt;90 A </a:t>
             </a:r>
           </a:p>
           <a:p>
             <a:r>
-              <a:rPr lang="en-CA" sz="1200" dirty="0"/>
+              <a:rPr lang="en-CA" sz="1400" dirty="0"/>
               <a:t> 90≤mars≤ 100 A+ </a:t>
             </a:r>
           </a:p>
@@ -5879,15 +5885,6 @@
             </a:r>
           </a:p>
           <a:p>
-            <a:pPr algn="l"/>
-            <a:endParaRPr lang="en-CA" sz="1400" b="0" i="0" u="none" strike="noStrike" baseline="0" dirty="0">
-              <a:solidFill>
-                <a:srgbClr val="000000"/>
-              </a:solidFill>
-              <a:latin typeface="Times New Roman" panose="02020603050405020304" pitchFamily="18" charset="0"/>
-            </a:endParaRPr>
-          </a:p>
-          <a:p>
             <a:pPr>
               <a:lnSpc>
                 <a:spcPct val="110000"/>
@@ -5910,7 +5907,15 @@
             </a:pPr>
             <a:r>
               <a:rPr lang="en-US" sz="1400" dirty="0"/>
-              <a:t> Write a program to check number is Armstrong or not. (Hint: A number is Armstrong if the      sum of cubes of individual digits of a number is equal to the number itself).</a:t>
+              <a:t> Write a program to check number is Armstrong or not. (Hint: A number is Armstrong if </a:t>
+            </a:r>
+            <a:r>
+              <a:rPr lang="en-US" sz="1400"/>
+              <a:t>the sum </a:t>
+            </a:r>
+            <a:r>
+              <a:rPr lang="en-US" sz="1400" dirty="0"/>
+              <a:t>of cubes of individual digits of a number is equal to the number itself).</a:t>
             </a:r>
             <a:endParaRPr lang="en-CA" sz="1400" dirty="0"/>
           </a:p>
